--- a/Santa Clara v2.pptx
+++ b/Santa Clara v2.pptx
@@ -109,6 +109,11 @@
       </a:defRPr>
     </a:lvl9pPr>
   </p:defaultTextStyle>
+  <p:extLst>
+    <p:ext uri="{EFAFB233-063F-42B5-8137-9DF3F51BA10A}">
+      <p15:sldGuideLst xmlns:p15="http://schemas.microsoft.com/office/powerpoint/2012/main"/>
+    </p:ext>
+  </p:extLst>
 </p:presentation>
 </file>
 
@@ -6076,13 +6081,8 @@
           <a:p>
             <a:r>
               <a:rPr lang="pt-BR" sz="2800" dirty="0" smtClean="0"/>
-              <a:t>É um mecanismo que poderá prever preços de mercado para a </a:t>
-            </a:r>
-            <a:r>
-              <a:rPr lang="pt-BR" sz="2800" dirty="0" smtClean="0"/>
-              <a:t>energia possibilitando os detentores desta ferramenta ter diferencial competitivo</a:t>
-            </a:r>
-            <a:endParaRPr lang="pt-BR" sz="2800" dirty="0" smtClean="0"/>
+              <a:t>É um mecanismo que poderá prever preços de mercado para a energia possibilitando os detentores desta ferramenta ter diferencial competitivo</a:t>
+            </a:r>
           </a:p>
           <a:p>
             <a:pPr>
@@ -6103,12 +6103,13 @@
             </a:pPr>
             <a:r>
               <a:rPr lang="pt-BR" dirty="0" smtClean="0"/>
-              <a:t>60</a:t>
+              <a:t>60% da matriz energética brasileira vem das </a:t>
             </a:r>
             <a:r>
               <a:rPr lang="pt-BR" dirty="0" smtClean="0"/>
-              <a:t>% da matriz energética brasileira vem das hidrelétricas</a:t>
-            </a:r>
+              <a:t>hidrelétricas</a:t>
+            </a:r>
+            <a:endParaRPr lang="pt-BR" dirty="0" smtClean="0"/>
           </a:p>
           <a:p>
             <a:pPr lvl="1">
@@ -6118,11 +6119,19 @@
             </a:pPr>
             <a:r>
               <a:rPr lang="pt-BR" dirty="0" smtClean="0"/>
-              <a:t>Bacia </a:t>
+              <a:t>Bacia do Rio Grande contém 18 usinas, algo perto de </a:t>
             </a:r>
             <a:r>
               <a:rPr lang="pt-BR" dirty="0" smtClean="0"/>
-              <a:t>do Rio Grande contém 18 usinas, algo perto de 30% da região sudeste e centro oeste</a:t>
+              <a:t>30% </a:t>
+            </a:r>
+            <a:r>
+              <a:rPr lang="pt-BR" dirty="0" smtClean="0"/>
+              <a:t>da região sudeste e centro </a:t>
+            </a:r>
+            <a:r>
+              <a:rPr lang="pt-BR" dirty="0" smtClean="0"/>
+              <a:t>oeste e 17% do Brasil</a:t>
             </a:r>
             <a:endParaRPr lang="pt-BR" dirty="0"/>
           </a:p>
